--- a/somani4_MP2_CP.pptx
+++ b/somani4_MP2_CP.pptx
@@ -270,7 +270,7 @@
           <a:p>
             <a:fld id="{3E188059-9AAA-48DC-89EE-5FBEEAFD7015}" type="datetimeFigureOut">
               <a:rPr lang="en-US" smtClean="0"/>
-              <a:t>3/14/2020</a:t>
+              <a:t>3/15/2020</a:t>
             </a:fld>
             <a:endParaRPr lang="en-US"/>
           </a:p>
@@ -468,7 +468,7 @@
           <a:p>
             <a:fld id="{3E188059-9AAA-48DC-89EE-5FBEEAFD7015}" type="datetimeFigureOut">
               <a:rPr lang="en-US" smtClean="0"/>
-              <a:t>3/14/2020</a:t>
+              <a:t>3/15/2020</a:t>
             </a:fld>
             <a:endParaRPr lang="en-US"/>
           </a:p>
@@ -676,7 +676,7 @@
           <a:p>
             <a:fld id="{3E188059-9AAA-48DC-89EE-5FBEEAFD7015}" type="datetimeFigureOut">
               <a:rPr lang="en-US" smtClean="0"/>
-              <a:t>3/14/2020</a:t>
+              <a:t>3/15/2020</a:t>
             </a:fld>
             <a:endParaRPr lang="en-US"/>
           </a:p>
@@ -874,7 +874,7 @@
           <a:p>
             <a:fld id="{3E188059-9AAA-48DC-89EE-5FBEEAFD7015}" type="datetimeFigureOut">
               <a:rPr lang="en-US" smtClean="0"/>
-              <a:t>3/14/2020</a:t>
+              <a:t>3/15/2020</a:t>
             </a:fld>
             <a:endParaRPr lang="en-US"/>
           </a:p>
@@ -1149,7 +1149,7 @@
           <a:p>
             <a:fld id="{3E188059-9AAA-48DC-89EE-5FBEEAFD7015}" type="datetimeFigureOut">
               <a:rPr lang="en-US" smtClean="0"/>
-              <a:t>3/14/2020</a:t>
+              <a:t>3/15/2020</a:t>
             </a:fld>
             <a:endParaRPr lang="en-US"/>
           </a:p>
@@ -1414,7 +1414,7 @@
           <a:p>
             <a:fld id="{3E188059-9AAA-48DC-89EE-5FBEEAFD7015}" type="datetimeFigureOut">
               <a:rPr lang="en-US" smtClean="0"/>
-              <a:t>3/14/2020</a:t>
+              <a:t>3/15/2020</a:t>
             </a:fld>
             <a:endParaRPr lang="en-US"/>
           </a:p>
@@ -1826,7 +1826,7 @@
           <a:p>
             <a:fld id="{3E188059-9AAA-48DC-89EE-5FBEEAFD7015}" type="datetimeFigureOut">
               <a:rPr lang="en-US" smtClean="0"/>
-              <a:t>3/14/2020</a:t>
+              <a:t>3/15/2020</a:t>
             </a:fld>
             <a:endParaRPr lang="en-US"/>
           </a:p>
@@ -1967,7 +1967,7 @@
           <a:p>
             <a:fld id="{3E188059-9AAA-48DC-89EE-5FBEEAFD7015}" type="datetimeFigureOut">
               <a:rPr lang="en-US" smtClean="0"/>
-              <a:t>3/14/2020</a:t>
+              <a:t>3/15/2020</a:t>
             </a:fld>
             <a:endParaRPr lang="en-US"/>
           </a:p>
@@ -2080,7 +2080,7 @@
           <a:p>
             <a:fld id="{3E188059-9AAA-48DC-89EE-5FBEEAFD7015}" type="datetimeFigureOut">
               <a:rPr lang="en-US" smtClean="0"/>
-              <a:t>3/14/2020</a:t>
+              <a:t>3/15/2020</a:t>
             </a:fld>
             <a:endParaRPr lang="en-US"/>
           </a:p>
@@ -2391,7 +2391,7 @@
           <a:p>
             <a:fld id="{3E188059-9AAA-48DC-89EE-5FBEEAFD7015}" type="datetimeFigureOut">
               <a:rPr lang="en-US" smtClean="0"/>
-              <a:t>3/14/2020</a:t>
+              <a:t>3/15/2020</a:t>
             </a:fld>
             <a:endParaRPr lang="en-US"/>
           </a:p>
@@ -2679,7 +2679,7 @@
           <a:p>
             <a:fld id="{3E188059-9AAA-48DC-89EE-5FBEEAFD7015}" type="datetimeFigureOut">
               <a:rPr lang="en-US" smtClean="0"/>
-              <a:t>3/14/2020</a:t>
+              <a:t>3/15/2020</a:t>
             </a:fld>
             <a:endParaRPr lang="en-US"/>
           </a:p>
@@ -2920,7 +2920,7 @@
           <a:p>
             <a:fld id="{3E188059-9AAA-48DC-89EE-5FBEEAFD7015}" type="datetimeFigureOut">
               <a:rPr lang="en-US" smtClean="0"/>
-              <a:t>3/14/2020</a:t>
+              <a:t>3/15/2020</a:t>
             </a:fld>
             <a:endParaRPr lang="en-US"/>
           </a:p>
@@ -3799,10 +3799,10 @@
       </p:sp>
       <p:pic>
         <p:nvPicPr>
-          <p:cNvPr id="6" name="Picture 5">
-            <a:extLst>
-              <a:ext uri="{FF2B5EF4-FFF2-40B4-BE49-F238E27FC236}">
-                <a16:creationId xmlns:a16="http://schemas.microsoft.com/office/drawing/2014/main" id="{56DD423B-7F77-4B4B-9DDB-A03DADA2A110}"/>
+          <p:cNvPr id="4" name="Picture 3">
+            <a:extLst>
+              <a:ext uri="{FF2B5EF4-FFF2-40B4-BE49-F238E27FC236}">
+                <a16:creationId xmlns:a16="http://schemas.microsoft.com/office/drawing/2014/main" id="{0C06A45F-9FAD-4A8C-8B9A-464443BD657D}"/>
               </a:ext>
             </a:extLst>
           </p:cNvPr>
@@ -3819,8 +3819,8 @@
         </p:blipFill>
         <p:spPr>
           <a:xfrm>
-            <a:off x="3175819" y="5178511"/>
-            <a:ext cx="5243819" cy="1679489"/>
+            <a:off x="3371850" y="5131594"/>
+            <a:ext cx="4972050" cy="1726406"/>
           </a:xfrm>
           <a:prstGeom prst="rect">
             <a:avLst/>
@@ -3921,10 +3921,10 @@
       </p:sp>
       <p:pic>
         <p:nvPicPr>
-          <p:cNvPr id="4098" name="Picture 2">
-            <a:extLst>
-              <a:ext uri="{FF2B5EF4-FFF2-40B4-BE49-F238E27FC236}">
-                <a16:creationId xmlns:a16="http://schemas.microsoft.com/office/drawing/2014/main" id="{BB5AAD67-DFEA-4174-9A2E-3FCE5FED08F4}"/>
+          <p:cNvPr id="1026" name="Picture 2">
+            <a:extLst>
+              <a:ext uri="{FF2B5EF4-FFF2-40B4-BE49-F238E27FC236}">
+                <a16:creationId xmlns:a16="http://schemas.microsoft.com/office/drawing/2014/main" id="{71E21EAB-BD6C-4D59-A23E-3C2519C5B26F}"/>
               </a:ext>
             </a:extLst>
           </p:cNvPr>
@@ -3948,8 +3948,8 @@
         </p:blipFill>
         <p:spPr bwMode="auto">
           <a:xfrm>
-            <a:off x="2851853" y="1825625"/>
-            <a:ext cx="6592801" cy="5032375"/>
+            <a:off x="2914650" y="2616200"/>
+            <a:ext cx="6991350" cy="3876675"/>
           </a:xfrm>
           <a:prstGeom prst="rect">
             <a:avLst/>
@@ -4462,10 +4462,10 @@
       </p:pic>
       <p:pic>
         <p:nvPicPr>
-          <p:cNvPr id="5" name="Picture 4">
-            <a:extLst>
-              <a:ext uri="{FF2B5EF4-FFF2-40B4-BE49-F238E27FC236}">
-                <a16:creationId xmlns:a16="http://schemas.microsoft.com/office/drawing/2014/main" id="{CD1DBEC6-0C69-41C1-9F6C-A416FD016DD7}"/>
+          <p:cNvPr id="6" name="Picture 5">
+            <a:extLst>
+              <a:ext uri="{FF2B5EF4-FFF2-40B4-BE49-F238E27FC236}">
+                <a16:creationId xmlns:a16="http://schemas.microsoft.com/office/drawing/2014/main" id="{32A18BBC-99EC-453F-A22A-F994F1BF4C62}"/>
               </a:ext>
             </a:extLst>
           </p:cNvPr>
@@ -4482,8 +4482,8 @@
         </p:blipFill>
         <p:spPr>
           <a:xfrm>
-            <a:off x="3209925" y="3665538"/>
-            <a:ext cx="5772150" cy="3057525"/>
+            <a:off x="3495381" y="3645695"/>
+            <a:ext cx="5681956" cy="3077368"/>
           </a:xfrm>
           <a:prstGeom prst="rect">
             <a:avLst/>
@@ -5185,7 +5185,7 @@
           <a:p>
             <a:r>
               <a:rPr lang="en-US" sz="2600" dirty="0"/>
-              <a:t>Heatmaps (HE0 on top and HE1 on bottom):</a:t>
+              <a:t>Heatmaps (HE0 on top and HE1 on bottom) (Microbes as rows):</a:t>
             </a:r>
           </a:p>
           <a:p>
